--- a/Report/보고서에 첨부된 그림 및 자료/시스템 구성도.pptx
+++ b/Report/보고서에 첨부된 그림 및 자료/시스템 구성도.pptx
@@ -247,7 +247,7 @@
           <a:p>
             <a:fld id="{B43DF97D-1974-4B81-8CFC-289288CF16EF}" type="datetimeFigureOut">
               <a:rPr lang="ko-KR" altLang="en-US" smtClean="0"/>
-              <a:t>2019-04-26</a:t>
+              <a:t>2019-05-15</a:t>
             </a:fld>
             <a:endParaRPr lang="ko-KR" altLang="en-US"/>
           </a:p>
@@ -417,7 +417,7 @@
           <a:p>
             <a:fld id="{B43DF97D-1974-4B81-8CFC-289288CF16EF}" type="datetimeFigureOut">
               <a:rPr lang="ko-KR" altLang="en-US" smtClean="0"/>
-              <a:t>2019-04-26</a:t>
+              <a:t>2019-05-15</a:t>
             </a:fld>
             <a:endParaRPr lang="ko-KR" altLang="en-US"/>
           </a:p>
@@ -597,7 +597,7 @@
           <a:p>
             <a:fld id="{B43DF97D-1974-4B81-8CFC-289288CF16EF}" type="datetimeFigureOut">
               <a:rPr lang="ko-KR" altLang="en-US" smtClean="0"/>
-              <a:t>2019-04-26</a:t>
+              <a:t>2019-05-15</a:t>
             </a:fld>
             <a:endParaRPr lang="ko-KR" altLang="en-US"/>
           </a:p>
@@ -767,7 +767,7 @@
           <a:p>
             <a:fld id="{B43DF97D-1974-4B81-8CFC-289288CF16EF}" type="datetimeFigureOut">
               <a:rPr lang="ko-KR" altLang="en-US" smtClean="0"/>
-              <a:t>2019-04-26</a:t>
+              <a:t>2019-05-15</a:t>
             </a:fld>
             <a:endParaRPr lang="ko-KR" altLang="en-US"/>
           </a:p>
@@ -1013,7 +1013,7 @@
           <a:p>
             <a:fld id="{B43DF97D-1974-4B81-8CFC-289288CF16EF}" type="datetimeFigureOut">
               <a:rPr lang="ko-KR" altLang="en-US" smtClean="0"/>
-              <a:t>2019-04-26</a:t>
+              <a:t>2019-05-15</a:t>
             </a:fld>
             <a:endParaRPr lang="ko-KR" altLang="en-US"/>
           </a:p>
@@ -1245,7 +1245,7 @@
           <a:p>
             <a:fld id="{B43DF97D-1974-4B81-8CFC-289288CF16EF}" type="datetimeFigureOut">
               <a:rPr lang="ko-KR" altLang="en-US" smtClean="0"/>
-              <a:t>2019-04-26</a:t>
+              <a:t>2019-05-15</a:t>
             </a:fld>
             <a:endParaRPr lang="ko-KR" altLang="en-US"/>
           </a:p>
@@ -1612,7 +1612,7 @@
           <a:p>
             <a:fld id="{B43DF97D-1974-4B81-8CFC-289288CF16EF}" type="datetimeFigureOut">
               <a:rPr lang="ko-KR" altLang="en-US" smtClean="0"/>
-              <a:t>2019-04-26</a:t>
+              <a:t>2019-05-15</a:t>
             </a:fld>
             <a:endParaRPr lang="ko-KR" altLang="en-US"/>
           </a:p>
@@ -1730,7 +1730,7 @@
           <a:p>
             <a:fld id="{B43DF97D-1974-4B81-8CFC-289288CF16EF}" type="datetimeFigureOut">
               <a:rPr lang="ko-KR" altLang="en-US" smtClean="0"/>
-              <a:t>2019-04-26</a:t>
+              <a:t>2019-05-15</a:t>
             </a:fld>
             <a:endParaRPr lang="ko-KR" altLang="en-US"/>
           </a:p>
@@ -1825,7 +1825,7 @@
           <a:p>
             <a:fld id="{B43DF97D-1974-4B81-8CFC-289288CF16EF}" type="datetimeFigureOut">
               <a:rPr lang="ko-KR" altLang="en-US" smtClean="0"/>
-              <a:t>2019-04-26</a:t>
+              <a:t>2019-05-15</a:t>
             </a:fld>
             <a:endParaRPr lang="ko-KR" altLang="en-US"/>
           </a:p>
@@ -2102,7 +2102,7 @@
           <a:p>
             <a:fld id="{B43DF97D-1974-4B81-8CFC-289288CF16EF}" type="datetimeFigureOut">
               <a:rPr lang="ko-KR" altLang="en-US" smtClean="0"/>
-              <a:t>2019-04-26</a:t>
+              <a:t>2019-05-15</a:t>
             </a:fld>
             <a:endParaRPr lang="ko-KR" altLang="en-US"/>
           </a:p>
@@ -2359,7 +2359,7 @@
           <a:p>
             <a:fld id="{B43DF97D-1974-4B81-8CFC-289288CF16EF}" type="datetimeFigureOut">
               <a:rPr lang="ko-KR" altLang="en-US" smtClean="0"/>
-              <a:t>2019-04-26</a:t>
+              <a:t>2019-05-15</a:t>
             </a:fld>
             <a:endParaRPr lang="ko-KR" altLang="en-US"/>
           </a:p>
@@ -2572,7 +2572,7 @@
           <a:p>
             <a:fld id="{B43DF97D-1974-4B81-8CFC-289288CF16EF}" type="datetimeFigureOut">
               <a:rPr lang="ko-KR" altLang="en-US" smtClean="0"/>
-              <a:t>2019-04-26</a:t>
+              <a:t>2019-05-15</a:t>
             </a:fld>
             <a:endParaRPr lang="ko-KR" altLang="en-US"/>
           </a:p>
@@ -21348,21 +21348,27 @@
               <a:rPr lang="ko-KR" altLang="en-US" sz="1169" dirty="0"/>
               <a:t>명령어 훈련</a:t>
             </a:r>
-            <a:endParaRPr lang="en-US" altLang="ko-KR" sz="1169" dirty="0"/>
-          </a:p>
-          <a:p>
-            <a:pPr algn="ctr"/>
             <a:r>
-              <a:rPr lang="ko-KR" altLang="en-US" sz="1169" dirty="0"/>
-              <a:t>식사 제공 </a:t>
+              <a:rPr lang="en-US" altLang="ko-KR" sz="1169" dirty="0"/>
+              <a:t>,</a:t>
             </a:r>
-            <a:endParaRPr lang="en-US" altLang="ko-KR" sz="1169" dirty="0"/>
           </a:p>
           <a:p>
             <a:pPr algn="ctr"/>
             <a:r>
               <a:rPr lang="ko-KR" altLang="en-US" sz="1169" dirty="0"/>
               <a:t>버튼 놀이</a:t>
+            </a:r>
+            <a:r>
+              <a:rPr lang="en-US" altLang="ko-KR" sz="1169" dirty="0"/>
+              <a:t>,</a:t>
+            </a:r>
+          </a:p>
+          <a:p>
+            <a:pPr algn="ctr"/>
+            <a:r>
+              <a:rPr lang="ko-KR" altLang="en-US" sz="1169" dirty="0"/>
+              <a:t>식사 제공</a:t>
             </a:r>
             <a:endParaRPr lang="en-US" altLang="ko-KR" sz="1169" dirty="0"/>
           </a:p>

--- a/Report/보고서에 첨부된 그림 및 자료/시스템 구성도.pptx
+++ b/Report/보고서에 첨부된 그림 및 자료/시스템 구성도.pptx
@@ -247,7 +247,7 @@
           <a:p>
             <a:fld id="{B43DF97D-1974-4B81-8CFC-289288CF16EF}" type="datetimeFigureOut">
               <a:rPr lang="ko-KR" altLang="en-US" smtClean="0"/>
-              <a:t>2019-05-15</a:t>
+              <a:t>2019-06-09</a:t>
             </a:fld>
             <a:endParaRPr lang="ko-KR" altLang="en-US"/>
           </a:p>
@@ -417,7 +417,7 @@
           <a:p>
             <a:fld id="{B43DF97D-1974-4B81-8CFC-289288CF16EF}" type="datetimeFigureOut">
               <a:rPr lang="ko-KR" altLang="en-US" smtClean="0"/>
-              <a:t>2019-05-15</a:t>
+              <a:t>2019-06-09</a:t>
             </a:fld>
             <a:endParaRPr lang="ko-KR" altLang="en-US"/>
           </a:p>
@@ -597,7 +597,7 @@
           <a:p>
             <a:fld id="{B43DF97D-1974-4B81-8CFC-289288CF16EF}" type="datetimeFigureOut">
               <a:rPr lang="ko-KR" altLang="en-US" smtClean="0"/>
-              <a:t>2019-05-15</a:t>
+              <a:t>2019-06-09</a:t>
             </a:fld>
             <a:endParaRPr lang="ko-KR" altLang="en-US"/>
           </a:p>
@@ -767,7 +767,7 @@
           <a:p>
             <a:fld id="{B43DF97D-1974-4B81-8CFC-289288CF16EF}" type="datetimeFigureOut">
               <a:rPr lang="ko-KR" altLang="en-US" smtClean="0"/>
-              <a:t>2019-05-15</a:t>
+              <a:t>2019-06-09</a:t>
             </a:fld>
             <a:endParaRPr lang="ko-KR" altLang="en-US"/>
           </a:p>
@@ -1013,7 +1013,7 @@
           <a:p>
             <a:fld id="{B43DF97D-1974-4B81-8CFC-289288CF16EF}" type="datetimeFigureOut">
               <a:rPr lang="ko-KR" altLang="en-US" smtClean="0"/>
-              <a:t>2019-05-15</a:t>
+              <a:t>2019-06-09</a:t>
             </a:fld>
             <a:endParaRPr lang="ko-KR" altLang="en-US"/>
           </a:p>
@@ -1245,7 +1245,7 @@
           <a:p>
             <a:fld id="{B43DF97D-1974-4B81-8CFC-289288CF16EF}" type="datetimeFigureOut">
               <a:rPr lang="ko-KR" altLang="en-US" smtClean="0"/>
-              <a:t>2019-05-15</a:t>
+              <a:t>2019-06-09</a:t>
             </a:fld>
             <a:endParaRPr lang="ko-KR" altLang="en-US"/>
           </a:p>
@@ -1612,7 +1612,7 @@
           <a:p>
             <a:fld id="{B43DF97D-1974-4B81-8CFC-289288CF16EF}" type="datetimeFigureOut">
               <a:rPr lang="ko-KR" altLang="en-US" smtClean="0"/>
-              <a:t>2019-05-15</a:t>
+              <a:t>2019-06-09</a:t>
             </a:fld>
             <a:endParaRPr lang="ko-KR" altLang="en-US"/>
           </a:p>
@@ -1730,7 +1730,7 @@
           <a:p>
             <a:fld id="{B43DF97D-1974-4B81-8CFC-289288CF16EF}" type="datetimeFigureOut">
               <a:rPr lang="ko-KR" altLang="en-US" smtClean="0"/>
-              <a:t>2019-05-15</a:t>
+              <a:t>2019-06-09</a:t>
             </a:fld>
             <a:endParaRPr lang="ko-KR" altLang="en-US"/>
           </a:p>
@@ -1825,7 +1825,7 @@
           <a:p>
             <a:fld id="{B43DF97D-1974-4B81-8CFC-289288CF16EF}" type="datetimeFigureOut">
               <a:rPr lang="ko-KR" altLang="en-US" smtClean="0"/>
-              <a:t>2019-05-15</a:t>
+              <a:t>2019-06-09</a:t>
             </a:fld>
             <a:endParaRPr lang="ko-KR" altLang="en-US"/>
           </a:p>
@@ -2102,7 +2102,7 @@
           <a:p>
             <a:fld id="{B43DF97D-1974-4B81-8CFC-289288CF16EF}" type="datetimeFigureOut">
               <a:rPr lang="ko-KR" altLang="en-US" smtClean="0"/>
-              <a:t>2019-05-15</a:t>
+              <a:t>2019-06-09</a:t>
             </a:fld>
             <a:endParaRPr lang="ko-KR" altLang="en-US"/>
           </a:p>
@@ -2359,7 +2359,7 @@
           <a:p>
             <a:fld id="{B43DF97D-1974-4B81-8CFC-289288CF16EF}" type="datetimeFigureOut">
               <a:rPr lang="ko-KR" altLang="en-US" smtClean="0"/>
-              <a:t>2019-05-15</a:t>
+              <a:t>2019-06-09</a:t>
             </a:fld>
             <a:endParaRPr lang="ko-KR" altLang="en-US"/>
           </a:p>
@@ -2572,7 +2572,7 @@
           <a:p>
             <a:fld id="{B43DF97D-1974-4B81-8CFC-289288CF16EF}" type="datetimeFigureOut">
               <a:rPr lang="ko-KR" altLang="en-US" smtClean="0"/>
-              <a:t>2019-05-15</a:t>
+              <a:t>2019-06-09</a:t>
             </a:fld>
             <a:endParaRPr lang="ko-KR" altLang="en-US"/>
           </a:p>
@@ -16125,10 +16125,10 @@
         </p:nvGrpSpPr>
         <p:grpSpPr>
           <a:xfrm>
-            <a:off x="8334595" y="1455296"/>
-            <a:ext cx="4617792" cy="3653729"/>
-            <a:chOff x="6344298" y="1271914"/>
-            <a:chExt cx="4617792" cy="3653729"/>
+            <a:off x="8279162" y="1455296"/>
+            <a:ext cx="4838692" cy="3653729"/>
+            <a:chOff x="6288865" y="1271914"/>
+            <a:chExt cx="4838692" cy="3653729"/>
           </a:xfrm>
         </p:grpSpPr>
         <p:sp>
@@ -16201,8 +16201,8 @@
           </p:nvSpPr>
           <p:spPr>
             <a:xfrm>
-              <a:off x="6344300" y="2100296"/>
-              <a:ext cx="654839" cy="449823"/>
+              <a:off x="6314245" y="2041006"/>
+              <a:ext cx="886222" cy="523220"/>
             </a:xfrm>
             <a:prstGeom prst="rect">
               <a:avLst/>
@@ -16217,10 +16217,10 @@
             <a:p>
               <a:pPr algn="ctr"/>
               <a:r>
-                <a:rPr lang="ko-KR" altLang="en-US" sz="1169" dirty="0" err="1"/>
+                <a:rPr lang="ko-KR" altLang="en-US" sz="1400" dirty="0" err="1"/>
                 <a:t>키넥트카메라</a:t>
               </a:r>
-              <a:endParaRPr lang="ko-KR" altLang="en-US" sz="1169" dirty="0"/>
+              <a:endParaRPr lang="ko-KR" altLang="en-US" sz="1400" dirty="0"/>
             </a:p>
           </p:txBody>
         </p:sp>
@@ -16238,8 +16238,8 @@
           </p:nvSpPr>
           <p:spPr>
             <a:xfrm>
-              <a:off x="6355406" y="4216774"/>
-              <a:ext cx="654839" cy="449823"/>
+              <a:off x="6294402" y="4122098"/>
+              <a:ext cx="886222" cy="523220"/>
             </a:xfrm>
             <a:prstGeom prst="rect">
               <a:avLst/>
@@ -16254,17 +16254,17 @@
             <a:p>
               <a:pPr algn="ctr"/>
               <a:r>
-                <a:rPr lang="en-US" altLang="ko-KR" sz="1169" dirty="0"/>
+                <a:rPr lang="en-US" altLang="ko-KR" sz="1400" dirty="0"/>
                 <a:t>LED </a:t>
               </a:r>
             </a:p>
             <a:p>
               <a:pPr algn="ctr"/>
               <a:r>
-                <a:rPr lang="ko-KR" altLang="en-US" sz="1169" dirty="0"/>
+                <a:rPr lang="ko-KR" altLang="en-US" sz="1400" dirty="0"/>
                 <a:t>버튼</a:t>
               </a:r>
-              <a:endParaRPr lang="en-US" altLang="ko-KR" sz="1169" dirty="0"/>
+              <a:endParaRPr lang="en-US" altLang="ko-KR" sz="1400" dirty="0"/>
             </a:p>
           </p:txBody>
         </p:sp>
@@ -16282,8 +16282,8 @@
           </p:nvSpPr>
           <p:spPr>
             <a:xfrm>
-              <a:off x="6374478" y="2695744"/>
-              <a:ext cx="654839" cy="629752"/>
+              <a:off x="6328092" y="2617429"/>
+              <a:ext cx="886222" cy="738664"/>
             </a:xfrm>
             <a:prstGeom prst="rect">
               <a:avLst/>
@@ -16298,7 +16298,7 @@
             <a:p>
               <a:pPr algn="ctr"/>
               <a:r>
-                <a:rPr lang="ko-KR" altLang="en-US" sz="1169" dirty="0"/>
+                <a:rPr lang="ko-KR" altLang="en-US" sz="1400" dirty="0"/>
                 <a:t>객체 추적 카메라</a:t>
               </a:r>
             </a:p>
@@ -16734,10 +16734,10 @@
           </p:nvGrpSpPr>
           <p:grpSpPr>
             <a:xfrm>
-              <a:off x="8147750" y="2766027"/>
-              <a:ext cx="1089831" cy="1064823"/>
-              <a:chOff x="7584307" y="1923731"/>
-              <a:chExt cx="1118522" cy="1092856"/>
+              <a:off x="8086739" y="2766025"/>
+              <a:ext cx="1282907" cy="1102260"/>
+              <a:chOff x="7521690" y="1923731"/>
+              <a:chExt cx="1316681" cy="1131279"/>
             </a:xfrm>
           </p:grpSpPr>
           <p:sp>
@@ -16754,8 +16754,8 @@
             </p:nvSpPr>
             <p:spPr>
               <a:xfrm>
-                <a:off x="7584307" y="2739588"/>
-                <a:ext cx="1118522" cy="276999"/>
+                <a:off x="7521690" y="2739130"/>
+                <a:ext cx="1316681" cy="315880"/>
               </a:xfrm>
               <a:prstGeom prst="rect">
                 <a:avLst/>
@@ -16769,10 +16769,10 @@
               <a:lstStyle/>
               <a:p>
                 <a:r>
-                  <a:rPr lang="ko-KR" altLang="en-US" sz="1169" dirty="0" err="1"/>
+                  <a:rPr lang="ko-KR" altLang="en-US" sz="1400" dirty="0" err="1"/>
                   <a:t>라즈베리파이</a:t>
                 </a:r>
-                <a:endParaRPr lang="ko-KR" altLang="en-US" sz="1169" dirty="0"/>
+                <a:endParaRPr lang="ko-KR" altLang="en-US" sz="1400" dirty="0"/>
               </a:p>
             </p:txBody>
           </p:sp>
@@ -18953,7 +18953,7 @@
           <p:spPr>
             <a:xfrm>
               <a:off x="7628854" y="1271914"/>
-              <a:ext cx="2273359" cy="400110"/>
+              <a:ext cx="2273359" cy="461665"/>
             </a:xfrm>
             <a:prstGeom prst="rect">
               <a:avLst/>
@@ -18967,7 +18967,7 @@
             <a:lstStyle/>
             <a:p>
               <a:r>
-                <a:rPr lang="ko-KR" altLang="en-US" sz="2000" b="1" dirty="0"/>
+                <a:rPr lang="ko-KR" altLang="en-US" sz="2400" b="1" dirty="0"/>
                 <a:t>메인 디바이스</a:t>
               </a:r>
             </a:p>
@@ -19555,8 +19555,8 @@
           </p:nvSpPr>
           <p:spPr>
             <a:xfrm>
-              <a:off x="10265011" y="3084629"/>
-              <a:ext cx="654839" cy="269894"/>
+              <a:off x="10236118" y="3084629"/>
+              <a:ext cx="886222" cy="307777"/>
             </a:xfrm>
             <a:prstGeom prst="rect">
               <a:avLst/>
@@ -19571,7 +19571,7 @@
             <a:p>
               <a:pPr algn="ctr"/>
               <a:r>
-                <a:rPr lang="ko-KR" altLang="en-US" sz="1169" dirty="0"/>
+                <a:rPr lang="ko-KR" altLang="en-US" sz="1400" dirty="0"/>
                 <a:t>스크린</a:t>
               </a:r>
             </a:p>
@@ -19591,8 +19591,8 @@
           </p:nvSpPr>
           <p:spPr>
             <a:xfrm>
-              <a:off x="10274250" y="3632490"/>
-              <a:ext cx="654839" cy="269894"/>
+              <a:off x="10241335" y="3633774"/>
+              <a:ext cx="886222" cy="307777"/>
             </a:xfrm>
             <a:prstGeom prst="rect">
               <a:avLst/>
@@ -19607,7 +19607,7 @@
             <a:p>
               <a:pPr algn="ctr"/>
               <a:r>
-                <a:rPr lang="ko-KR" altLang="en-US" sz="1169" dirty="0"/>
+                <a:rPr lang="ko-KR" altLang="en-US" sz="1400" dirty="0"/>
                 <a:t>스피커</a:t>
               </a:r>
             </a:p>
@@ -19627,8 +19627,8 @@
           </p:nvSpPr>
           <p:spPr>
             <a:xfrm>
-              <a:off x="10274250" y="4304998"/>
-              <a:ext cx="654839" cy="269894"/>
+              <a:off x="10224557" y="4304997"/>
+              <a:ext cx="886222" cy="307777"/>
             </a:xfrm>
             <a:prstGeom prst="rect">
               <a:avLst/>
@@ -19643,7 +19643,7 @@
             <a:p>
               <a:pPr algn="ctr"/>
               <a:r>
-                <a:rPr lang="ko-KR" altLang="en-US" sz="1169" dirty="0"/>
+                <a:rPr lang="ko-KR" altLang="en-US" sz="1400" dirty="0"/>
                 <a:t>마이크</a:t>
               </a:r>
             </a:p>
@@ -19664,7 +19664,7 @@
           <p:spPr>
             <a:xfrm>
               <a:off x="10168740" y="2004161"/>
-              <a:ext cx="654839" cy="269894"/>
+              <a:ext cx="886222" cy="307777"/>
             </a:xfrm>
             <a:prstGeom prst="rect">
               <a:avLst/>
@@ -19679,7 +19679,7 @@
             <a:p>
               <a:pPr algn="ctr"/>
               <a:r>
-                <a:rPr lang="ko-KR" altLang="en-US" sz="1169" dirty="0"/>
+                <a:rPr lang="ko-KR" altLang="en-US" sz="1400" dirty="0"/>
                 <a:t>모터</a:t>
               </a:r>
             </a:p>
@@ -19864,8 +19864,8 @@
           </p:nvSpPr>
           <p:spPr>
             <a:xfrm>
-              <a:off x="6350394" y="3492900"/>
-              <a:ext cx="654839" cy="449823"/>
+              <a:off x="6288865" y="3404893"/>
+              <a:ext cx="886222" cy="523220"/>
             </a:xfrm>
             <a:prstGeom prst="rect">
               <a:avLst/>
@@ -19880,18 +19880,18 @@
             <a:p>
               <a:pPr algn="ctr"/>
               <a:r>
-                <a:rPr lang="ko-KR" altLang="en-US" sz="1169" dirty="0"/>
+                <a:rPr lang="ko-KR" altLang="en-US" sz="1400" dirty="0"/>
                 <a:t>카메라</a:t>
               </a:r>
-              <a:endParaRPr lang="en-US" altLang="ko-KR" sz="1169" dirty="0"/>
+              <a:endParaRPr lang="en-US" altLang="ko-KR" sz="1400" dirty="0"/>
             </a:p>
             <a:p>
               <a:pPr algn="ctr"/>
               <a:r>
-                <a:rPr lang="ko-KR" altLang="en-US" sz="1169" dirty="0" err="1"/>
+                <a:rPr lang="ko-KR" altLang="en-US" sz="1400" dirty="0" err="1"/>
                 <a:t>틸트</a:t>
               </a:r>
-              <a:endParaRPr lang="ko-KR" altLang="en-US" sz="1169" dirty="0"/>
+              <a:endParaRPr lang="ko-KR" altLang="en-US" sz="1400" dirty="0"/>
             </a:p>
           </p:txBody>
         </p:sp>
@@ -19945,7 +19945,7 @@
           <p:spPr>
             <a:xfrm>
               <a:off x="10168740" y="2511186"/>
-              <a:ext cx="654839" cy="269894"/>
+              <a:ext cx="886222" cy="307777"/>
             </a:xfrm>
             <a:prstGeom prst="rect">
               <a:avLst/>
@@ -19960,7 +19960,7 @@
             <a:p>
               <a:pPr algn="ctr"/>
               <a:r>
-                <a:rPr lang="ko-KR" altLang="en-US" sz="1169" dirty="0"/>
+                <a:rPr lang="ko-KR" altLang="en-US" sz="1400" dirty="0"/>
                 <a:t>모터</a:t>
               </a:r>
             </a:p>
@@ -20122,8 +20122,8 @@
           </p:nvCxnSpPr>
           <p:spPr>
             <a:xfrm flipV="1">
-              <a:off x="7713209" y="3830852"/>
-              <a:ext cx="979459" cy="511429"/>
+              <a:off x="7652198" y="3868285"/>
+              <a:ext cx="1075995" cy="473552"/>
             </a:xfrm>
             <a:prstGeom prst="bentConnector2">
               <a:avLst/>
@@ -20358,8 +20358,8 @@
           </p:nvCxnSpPr>
           <p:spPr>
             <a:xfrm rot="10800000">
-              <a:off x="8692669" y="3830853"/>
-              <a:ext cx="1014035" cy="609094"/>
+              <a:off x="8728193" y="3868286"/>
+              <a:ext cx="978510" cy="571661"/>
             </a:xfrm>
             <a:prstGeom prst="bentConnector2">
               <a:avLst/>
@@ -20401,10 +20401,10 @@
         </p:nvGrpSpPr>
         <p:grpSpPr>
           <a:xfrm>
-            <a:off x="9191625" y="6020215"/>
-            <a:ext cx="2710256" cy="2732839"/>
-            <a:chOff x="7377364" y="5058774"/>
-            <a:chExt cx="2710256" cy="2732839"/>
+            <a:off x="9129367" y="6020215"/>
+            <a:ext cx="2772514" cy="2732839"/>
+            <a:chOff x="7315106" y="5058774"/>
+            <a:chExt cx="2772514" cy="2732839"/>
           </a:xfrm>
         </p:grpSpPr>
         <p:sp>
@@ -20630,8 +20630,8 @@
           </p:nvSpPr>
           <p:spPr>
             <a:xfrm>
-              <a:off x="7423760" y="5960619"/>
-              <a:ext cx="1184622" cy="269894"/>
+              <a:off x="7315106" y="5975994"/>
+              <a:ext cx="1351395" cy="307777"/>
             </a:xfrm>
             <a:prstGeom prst="rect">
               <a:avLst/>
@@ -20645,7 +20645,7 @@
             <a:lstStyle/>
             <a:p>
               <a:r>
-                <a:rPr lang="ko-KR" altLang="en-US" sz="1169" dirty="0" err="1"/>
+                <a:rPr lang="ko-KR" altLang="en-US" sz="1400" dirty="0" err="1"/>
                 <a:t>라즈베리파이</a:t>
               </a:r>
               <a:endParaRPr lang="ko-KR" altLang="en-US" sz="1169" dirty="0"/>
@@ -20667,7 +20667,7 @@
           <p:spPr>
             <a:xfrm>
               <a:off x="7814921" y="5058774"/>
-              <a:ext cx="2272699" cy="400110"/>
+              <a:ext cx="2272699" cy="461665"/>
             </a:xfrm>
             <a:prstGeom prst="rect">
               <a:avLst/>
@@ -20681,7 +20681,7 @@
             <a:lstStyle/>
             <a:p>
               <a:r>
-                <a:rPr lang="ko-KR" altLang="en-US" sz="2000" b="1" dirty="0"/>
+                <a:rPr lang="ko-KR" altLang="en-US" sz="2400" b="1" dirty="0"/>
                 <a:t>서브 디바이스</a:t>
               </a:r>
             </a:p>
@@ -20891,7 +20891,7 @@
         <p:spPr>
           <a:xfrm>
             <a:off x="5154820" y="6685769"/>
-            <a:ext cx="1553612" cy="400110"/>
+            <a:ext cx="1553612" cy="461665"/>
           </a:xfrm>
           <a:prstGeom prst="rect">
             <a:avLst/>
@@ -20905,7 +20905,7 @@
           <a:lstStyle/>
           <a:p>
             <a:r>
-              <a:rPr lang="ko-KR" altLang="en-US" sz="2000" b="1" dirty="0"/>
+              <a:rPr lang="ko-KR" altLang="en-US" sz="2400" b="1" dirty="0"/>
               <a:t>서버</a:t>
             </a:r>
           </a:p>
@@ -20925,8 +20925,8 @@
         </p:nvSpPr>
         <p:spPr>
           <a:xfrm>
-            <a:off x="1197129" y="6685769"/>
-            <a:ext cx="2233442" cy="400110"/>
+            <a:off x="1066568" y="6685769"/>
+            <a:ext cx="2233442" cy="461665"/>
           </a:xfrm>
           <a:prstGeom prst="rect">
             <a:avLst/>
@@ -20940,7 +20940,7 @@
           <a:lstStyle/>
           <a:p>
             <a:r>
-              <a:rPr lang="ko-KR" altLang="en-US" sz="2000" b="1" dirty="0"/>
+              <a:rPr lang="ko-KR" altLang="en-US" sz="2400" b="1" dirty="0"/>
               <a:t>안드로이드 앱</a:t>
             </a:r>
           </a:p>
@@ -20999,8 +20999,8 @@
         </p:nvSpPr>
         <p:spPr>
           <a:xfrm>
-            <a:off x="15249920" y="6685769"/>
-            <a:ext cx="1553612" cy="400110"/>
+            <a:off x="15163594" y="6685769"/>
+            <a:ext cx="1553612" cy="461665"/>
           </a:xfrm>
           <a:prstGeom prst="rect">
             <a:avLst/>
@@ -21014,10 +21014,10 @@
           <a:lstStyle/>
           <a:p>
             <a:r>
-              <a:rPr lang="ko-KR" altLang="en-US" sz="2000" b="1" dirty="0" err="1"/>
+              <a:rPr lang="ko-KR" altLang="en-US" sz="2400" b="1" dirty="0" err="1"/>
               <a:t>반려견</a:t>
             </a:r>
-            <a:endParaRPr lang="ko-KR" altLang="en-US" sz="2000" b="1" dirty="0"/>
+            <a:endParaRPr lang="ko-KR" altLang="en-US" sz="2400" b="1" dirty="0"/>
           </a:p>
         </p:txBody>
       </p:sp>
@@ -21127,8 +21127,8 @@
         </p:nvSpPr>
         <p:spPr>
           <a:xfrm>
-            <a:off x="3165883" y="3312297"/>
-            <a:ext cx="1553612" cy="269894"/>
+            <a:off x="3148154" y="3218943"/>
+            <a:ext cx="2286990" cy="369332"/>
           </a:xfrm>
           <a:prstGeom prst="rect">
             <a:avLst/>
@@ -21142,7 +21142,7 @@
           <a:lstStyle/>
           <a:p>
             <a:r>
-              <a:rPr lang="ko-KR" altLang="en-US" sz="1169" dirty="0"/>
+              <a:rPr lang="ko-KR" altLang="en-US" dirty="0"/>
               <a:t>음성 및 영상 송수신</a:t>
             </a:r>
           </a:p>
@@ -21209,8 +21209,8 @@
         </p:nvSpPr>
         <p:spPr>
           <a:xfrm>
-            <a:off x="6515476" y="5499904"/>
-            <a:ext cx="1819120" cy="272254"/>
+            <a:off x="6144232" y="5386467"/>
+            <a:ext cx="1819120" cy="646331"/>
           </a:xfrm>
           <a:prstGeom prst="rect">
             <a:avLst/>
@@ -21225,10 +21225,10 @@
           <a:p>
             <a:pPr algn="ctr"/>
             <a:r>
-              <a:rPr lang="ko-KR" altLang="en-US" sz="1169" dirty="0"/>
+              <a:rPr lang="ko-KR" altLang="en-US" dirty="0"/>
               <a:t>설정 값 및 플래그 송수신</a:t>
             </a:r>
-            <a:endParaRPr lang="en-US" altLang="ko-KR" sz="1169" dirty="0"/>
+            <a:endParaRPr lang="en-US" altLang="ko-KR" dirty="0"/>
           </a:p>
         </p:txBody>
       </p:sp>
@@ -21293,7 +21293,7 @@
         <p:spPr>
           <a:xfrm>
             <a:off x="2974839" y="5824962"/>
-            <a:ext cx="1756447" cy="272254"/>
+            <a:ext cx="1756447" cy="646331"/>
           </a:xfrm>
           <a:prstGeom prst="rect">
             <a:avLst/>
@@ -21308,10 +21308,10 @@
           <a:p>
             <a:pPr algn="ctr"/>
             <a:r>
-              <a:rPr lang="ko-KR" altLang="en-US" sz="1169" dirty="0"/>
+              <a:rPr lang="ko-KR" altLang="en-US" dirty="0"/>
               <a:t>설정 값 및 로그 송수신</a:t>
             </a:r>
-            <a:endParaRPr lang="en-US" altLang="ko-KR" sz="1169" dirty="0"/>
+            <a:endParaRPr lang="en-US" altLang="ko-KR" dirty="0"/>
           </a:p>
         </p:txBody>
       </p:sp>
@@ -21329,8 +21329,8 @@
         </p:nvSpPr>
         <p:spPr>
           <a:xfrm>
-            <a:off x="13463623" y="4258280"/>
-            <a:ext cx="1756447" cy="632096"/>
+            <a:off x="13650145" y="4161662"/>
+            <a:ext cx="1756447" cy="923330"/>
           </a:xfrm>
           <a:prstGeom prst="rect">
             <a:avLst/>
@@ -21345,32 +21345,32 @@
           <a:p>
             <a:pPr algn="ctr"/>
             <a:r>
-              <a:rPr lang="ko-KR" altLang="en-US" sz="1169" dirty="0"/>
+              <a:rPr lang="ko-KR" altLang="en-US" dirty="0"/>
               <a:t>명령어 훈련</a:t>
             </a:r>
             <a:r>
-              <a:rPr lang="en-US" altLang="ko-KR" sz="1169" dirty="0"/>
+              <a:rPr lang="en-US" altLang="ko-KR" dirty="0"/>
               <a:t>,</a:t>
             </a:r>
           </a:p>
           <a:p>
             <a:pPr algn="ctr"/>
             <a:r>
-              <a:rPr lang="ko-KR" altLang="en-US" sz="1169" dirty="0"/>
+              <a:rPr lang="ko-KR" altLang="en-US" dirty="0"/>
               <a:t>버튼 놀이</a:t>
             </a:r>
             <a:r>
-              <a:rPr lang="en-US" altLang="ko-KR" sz="1169" dirty="0"/>
+              <a:rPr lang="en-US" altLang="ko-KR" dirty="0"/>
               <a:t>,</a:t>
             </a:r>
           </a:p>
           <a:p>
             <a:pPr algn="ctr"/>
             <a:r>
-              <a:rPr lang="ko-KR" altLang="en-US" sz="1169" dirty="0"/>
+              <a:rPr lang="ko-KR" altLang="en-US" dirty="0"/>
               <a:t>식사 제공</a:t>
             </a:r>
-            <a:endParaRPr lang="en-US" altLang="ko-KR" sz="1169" dirty="0"/>
+            <a:endParaRPr lang="en-US" altLang="ko-KR" dirty="0"/>
           </a:p>
         </p:txBody>
       </p:sp>
@@ -21480,8 +21480,8 @@
         </p:nvSpPr>
         <p:spPr>
           <a:xfrm>
-            <a:off x="13397292" y="6757412"/>
-            <a:ext cx="1756447" cy="272254"/>
+            <a:off x="13490232" y="6850567"/>
+            <a:ext cx="1756447" cy="369332"/>
           </a:xfrm>
           <a:prstGeom prst="rect">
             <a:avLst/>
@@ -21496,10 +21496,10 @@
           <a:p>
             <a:pPr algn="ctr"/>
             <a:r>
-              <a:rPr lang="ko-KR" altLang="en-US" sz="1169" dirty="0"/>
+              <a:rPr lang="ko-KR" altLang="en-US" dirty="0"/>
               <a:t>배변훈련</a:t>
             </a:r>
-            <a:endParaRPr lang="en-US" altLang="ko-KR" sz="1169" dirty="0"/>
+            <a:endParaRPr lang="en-US" altLang="ko-KR" dirty="0"/>
           </a:p>
         </p:txBody>
       </p:sp>
